--- a/docs/02_OpenCascade_OCAF.pptx
+++ b/docs/02_OpenCascade_OCAF.pptx
@@ -502,7 +502,7 @@
               <a:pPr>
                 <a:defRPr/>
               </a:pPr>
-              <a:t>5/29/2021</a:t>
+              <a:t>6/15/2021</a:t>
             </a:fld>
             <a:endParaRPr lang="en-US"/>
           </a:p>
@@ -13267,7 +13267,7 @@
             <a:fld id="{E0346CA7-C214-4094-9F1E-2C10CC8B70A2}" type="datetime1">
               <a:rPr lang="en-US" smtClean="0"/>
               <a:pPr/>
-              <a:t>5/29/2021</a:t>
+              <a:t>6/15/2021</a:t>
             </a:fld>
             <a:endParaRPr lang="en-GB" dirty="0"/>
           </a:p>
@@ -15754,7 +15754,7 @@
                 <a:latin typeface="Segoe UI" panose="020B0502040204020203" pitchFamily="34" charset="0"/>
                 <a:cs typeface="Segoe UI" panose="020B0502040204020203" pitchFamily="34" charset="0"/>
               </a:rPr>
-              <a:t>Transactions (how to revert model changes in something goes wrong?)</a:t>
+              <a:t>Transactions (how to revert model changes if something goes wrong?)</a:t>
             </a:r>
           </a:p>
           <a:p>
@@ -15995,7 +15995,7 @@
                 <a:latin typeface="Segoe UI" panose="020B0502040204020203" pitchFamily="34" charset="0"/>
                 <a:cs typeface="Segoe UI" panose="020B0502040204020203" pitchFamily="34" charset="0"/>
               </a:rPr>
-              <a:t>Transactions (how to revert model changes in something goes wrong?)</a:t>
+              <a:t>Transactions (how to revert model changes if something goes wrong?)</a:t>
             </a:r>
           </a:p>
           <a:p>
@@ -16266,7 +16266,21 @@
                 <a:latin typeface="Segoe UI" panose="020B0502040204020203" pitchFamily="34" charset="0"/>
                 <a:cs typeface="Segoe UI" panose="020B0502040204020203" pitchFamily="34" charset="0"/>
               </a:rPr>
-              <a:t>Transactions (how to revert model changes in something goes wrong?)</a:t>
+              <a:t>Transactions (how to revert model </a:t>
+            </a:r>
+            <a:r>
+              <a:rPr lang="en-US" sz="1400">
+                <a:latin typeface="Segoe UI" panose="020B0502040204020203" pitchFamily="34" charset="0"/>
+                <a:cs typeface="Segoe UI" panose="020B0502040204020203" pitchFamily="34" charset="0"/>
+              </a:rPr>
+              <a:t>changes if </a:t>
+            </a:r>
+            <a:r>
+              <a:rPr lang="en-US" sz="1400" dirty="0">
+                <a:latin typeface="Segoe UI" panose="020B0502040204020203" pitchFamily="34" charset="0"/>
+                <a:cs typeface="Segoe UI" panose="020B0502040204020203" pitchFamily="34" charset="0"/>
+              </a:rPr>
+              <a:t>something goes wrong?)</a:t>
             </a:r>
           </a:p>
           <a:p>
